--- a/charts/p16/p16.pptx
+++ b/charts/p16/p16.pptx
@@ -8,7 +8,7 @@
     <p:notesMasterId r:id="rId4"/>
   </p:notesMasterIdLst>
   <p:sldIdLst>
-    <p:sldId id="271" r:id="rId3"/>
+    <p:sldId id="272" r:id="rId3"/>
   </p:sldIdLst>
   <p:sldSz cx="12192000" cy="6858000"/>
   <p:notesSz cx="6889750" cy="10018395"/>
@@ -554,7 +554,7 @@
     <c:showDLblsOverMax val="1"/>
     <c:extLst>
       <c:ext uri="{0b15fc19-7d7d-44ad-8c2d-2c3a37ce22c3}">
-        <chartProps xmlns="https://web.wps.cn/et/2018/main" chartId="{b6e7a1f6-5b5f-48e7-b710-75e7321b7eec}"/>
+        <chartProps xmlns="https://web.wps.cn/et/2018/main" chartId="{607631df-b831-4f3e-b6d0-fe23641935fb}"/>
       </c:ext>
     </c:extLst>
   </c:chart>
@@ -827,7 +827,7 @@
     <c:showDLblsOverMax val="1"/>
     <c:extLst>
       <c:ext uri="{0b15fc19-7d7d-44ad-8c2d-2c3a37ce22c3}">
-        <chartProps xmlns="https://web.wps.cn/et/2018/main" chartId="{f6cc6332-2701-44af-a6df-8c41ab831cdd}"/>
+        <chartProps xmlns="https://web.wps.cn/et/2018/main" chartId="{cb55e9c6-5551-449f-8f81-eb587ea38087}"/>
       </c:ext>
     </c:extLst>
   </c:chart>
@@ -1100,7 +1100,7 @@
     <c:showDLblsOverMax val="1"/>
     <c:extLst>
       <c:ext uri="{0b15fc19-7d7d-44ad-8c2d-2c3a37ce22c3}">
-        <chartProps xmlns="https://web.wps.cn/et/2018/main" chartId="{0fe08521-93d7-4d1d-9566-d78b66f5cca7}"/>
+        <chartProps xmlns="https://web.wps.cn/et/2018/main" chartId="{57811578-4b9e-4da4-b9f3-11cdcee7f281}"/>
       </c:ext>
     </c:extLst>
   </c:chart>
@@ -1373,7 +1373,7 @@
     <c:showDLblsOverMax val="1"/>
     <c:extLst>
       <c:ext uri="{0b15fc19-7d7d-44ad-8c2d-2c3a37ce22c3}">
-        <chartProps xmlns="https://web.wps.cn/et/2018/main" chartId="{5bac385c-03cf-4050-9a73-8788b8ab2832}"/>
+        <chartProps xmlns="https://web.wps.cn/et/2018/main" chartId="{627ee73f-a606-4281-b5a3-8fb27efc1ef6}"/>
       </c:ext>
     </c:extLst>
   </c:chart>
@@ -1646,7 +1646,7 @@
     <c:showDLblsOverMax val="1"/>
     <c:extLst>
       <c:ext uri="{0b15fc19-7d7d-44ad-8c2d-2c3a37ce22c3}">
-        <chartProps xmlns="https://web.wps.cn/et/2018/main" chartId="{717bb7d5-7d9d-4987-af30-99d60590be84}"/>
+        <chartProps xmlns="https://web.wps.cn/et/2018/main" chartId="{79261911-5ad4-4bab-8dc8-eb0e159b1870}"/>
       </c:ext>
     </c:extLst>
   </c:chart>
@@ -1919,7 +1919,7 @@
     <c:showDLblsOverMax val="1"/>
     <c:extLst>
       <c:ext uri="{0b15fc19-7d7d-44ad-8c2d-2c3a37ce22c3}">
-        <chartProps xmlns="https://web.wps.cn/et/2018/main" chartId="{cbbd6780-7432-4fde-883b-84ed306c2719}"/>
+        <chartProps xmlns="https://web.wps.cn/et/2018/main" chartId="{479b9394-cf7b-4ed6-9c74-0d580145902d}"/>
       </c:ext>
     </c:extLst>
   </c:chart>
@@ -2192,7 +2192,7 @@
     <c:showDLblsOverMax val="1"/>
     <c:extLst>
       <c:ext uri="{0b15fc19-7d7d-44ad-8c2d-2c3a37ce22c3}">
-        <chartProps xmlns="https://web.wps.cn/et/2018/main" chartId="{88eb72da-11d1-4236-a6bf-4d5342628a79}"/>
+        <chartProps xmlns="https://web.wps.cn/et/2018/main" chartId="{f42b012d-532a-4fdf-bf98-94224e187cc2}"/>
       </c:ext>
     </c:extLst>
   </c:chart>
@@ -9150,7 +9150,7 @@
         </p:nvGrpSpPr>
         <p:grpSpPr>
           <a:xfrm>
-            <a:off x="3355977" y="4718993"/>
+            <a:off x="3427732" y="4575483"/>
             <a:ext cx="512764" cy="195263"/>
             <a:chOff x="1059814" y="4754505"/>
             <a:chExt cx="513103" cy="195263"/>
